--- a/30100_P2_Thiyaghessan_Presentation.pptx
+++ b/30100_P2_Thiyaghessan_Presentation.pptx
@@ -15,13 +15,14 @@
     <p:sldId id="271" r:id="rId9"/>
     <p:sldId id="277" r:id="rId10"/>
     <p:sldId id="263" r:id="rId11"/>
-    <p:sldId id="272" r:id="rId12"/>
-    <p:sldId id="273" r:id="rId13"/>
-    <p:sldId id="274" r:id="rId14"/>
-    <p:sldId id="276" r:id="rId15"/>
-    <p:sldId id="275" r:id="rId16"/>
-    <p:sldId id="266" r:id="rId17"/>
-    <p:sldId id="268" r:id="rId18"/>
+    <p:sldId id="276" r:id="rId12"/>
+    <p:sldId id="275" r:id="rId13"/>
+    <p:sldId id="266" r:id="rId14"/>
+    <p:sldId id="268" r:id="rId15"/>
+    <p:sldId id="278" r:id="rId16"/>
+    <p:sldId id="272" r:id="rId17"/>
+    <p:sldId id="273" r:id="rId18"/>
+    <p:sldId id="274" r:id="rId19"/>
   </p:sldIdLst>
   <p:sldSz cx="12192000" cy="6858000"/>
   <p:notesSz cx="6858000" cy="9144000"/>
@@ -392,6 +393,59 @@
             <ac:picMk id="5" creationId="{8489926A-3270-437E-8494-D71F9971AABA}"/>
           </ac:picMkLst>
         </pc:picChg>
+      </pc:sldChg>
+    </pc:docChg>
+  </pc:docChgLst>
+  <pc:docChgLst>
+    <pc:chgData name="thiyaghessan p" userId="36ebb242388f3aca" providerId="LiveId" clId="{780E59BB-1356-4172-9DDD-E8AF7C008854}"/>
+    <pc:docChg chg="custSel addSld modSld sldOrd">
+      <pc:chgData name="thiyaghessan p" userId="36ebb242388f3aca" providerId="LiveId" clId="{780E59BB-1356-4172-9DDD-E8AF7C008854}" dt="2022-03-18T20:57:41.362" v="16" actId="113"/>
+      <pc:docMkLst>
+        <pc:docMk/>
+      </pc:docMkLst>
+      <pc:sldChg chg="ord">
+        <pc:chgData name="thiyaghessan p" userId="36ebb242388f3aca" providerId="LiveId" clId="{780E59BB-1356-4172-9DDD-E8AF7C008854}" dt="2022-03-18T20:57:03.712" v="1"/>
+        <pc:sldMkLst>
+          <pc:docMk/>
+          <pc:sldMk cId="3398244875" sldId="272"/>
+        </pc:sldMkLst>
+      </pc:sldChg>
+      <pc:sldChg chg="ord">
+        <pc:chgData name="thiyaghessan p" userId="36ebb242388f3aca" providerId="LiveId" clId="{780E59BB-1356-4172-9DDD-E8AF7C008854}" dt="2022-03-18T20:57:03.712" v="1"/>
+        <pc:sldMkLst>
+          <pc:docMk/>
+          <pc:sldMk cId="189610355" sldId="273"/>
+        </pc:sldMkLst>
+      </pc:sldChg>
+      <pc:sldChg chg="ord">
+        <pc:chgData name="thiyaghessan p" userId="36ebb242388f3aca" providerId="LiveId" clId="{780E59BB-1356-4172-9DDD-E8AF7C008854}" dt="2022-03-18T20:57:03.712" v="1"/>
+        <pc:sldMkLst>
+          <pc:docMk/>
+          <pc:sldMk cId="430300171" sldId="274"/>
+        </pc:sldMkLst>
+      </pc:sldChg>
+      <pc:sldChg chg="delSp modSp new mod">
+        <pc:chgData name="thiyaghessan p" userId="36ebb242388f3aca" providerId="LiveId" clId="{780E59BB-1356-4172-9DDD-E8AF7C008854}" dt="2022-03-18T20:57:41.362" v="16" actId="113"/>
+        <pc:sldMkLst>
+          <pc:docMk/>
+          <pc:sldMk cId="901551132" sldId="278"/>
+        </pc:sldMkLst>
+        <pc:spChg chg="mod">
+          <ac:chgData name="thiyaghessan p" userId="36ebb242388f3aca" providerId="LiveId" clId="{780E59BB-1356-4172-9DDD-E8AF7C008854}" dt="2022-03-18T20:57:41.362" v="16" actId="113"/>
+          <ac:spMkLst>
+            <pc:docMk/>
+            <pc:sldMk cId="901551132" sldId="278"/>
+            <ac:spMk id="2" creationId="{40B9701F-DDED-4A92-B314-30E9C3CB28C2}"/>
+          </ac:spMkLst>
+        </pc:spChg>
+        <pc:spChg chg="del">
+          <ac:chgData name="thiyaghessan p" userId="36ebb242388f3aca" providerId="LiveId" clId="{780E59BB-1356-4172-9DDD-E8AF7C008854}" dt="2022-03-18T20:57:25.974" v="12" actId="478"/>
+          <ac:spMkLst>
+            <pc:docMk/>
+            <pc:sldMk cId="901551132" sldId="278"/>
+            <ac:spMk id="3" creationId="{2F02E790-E9C9-40B9-A5C1-4A377260C391}"/>
+          </ac:spMkLst>
+        </pc:spChg>
       </pc:sldChg>
     </pc:docChg>
   </pc:docChgLst>
@@ -10573,278 +10627,6 @@
       </p:grpSpPr>
       <p:sp>
         <p:nvSpPr>
-          <p:cNvPr id="2" name="Title 1">
-            <a:extLst>
-              <a:ext uri="{FF2B5EF4-FFF2-40B4-BE49-F238E27FC236}">
-                <a16:creationId xmlns:a16="http://schemas.microsoft.com/office/drawing/2014/main" id="{54B9DEF8-09BD-40FB-9FBB-EA68CB03B37E}"/>
-              </a:ext>
-            </a:extLst>
-          </p:cNvPr>
-          <p:cNvSpPr>
-            <a:spLocks noGrp="1"/>
-          </p:cNvSpPr>
-          <p:nvPr>
-            <p:ph type="title"/>
-          </p:nvPr>
-        </p:nvSpPr>
-        <p:spPr/>
-        <p:txBody>
-          <a:bodyPr/>
-          <a:lstStyle/>
-          <a:p>
-            <a:r>
-              <a:rPr lang="en-SG" dirty="0">
-                <a:latin typeface="Arial" panose="020B0604020202020204" pitchFamily="34" charset="0"/>
-                <a:cs typeface="Arial" panose="020B0604020202020204" pitchFamily="34" charset="0"/>
-              </a:rPr>
-              <a:t>Random Forest Matrix</a:t>
-            </a:r>
-          </a:p>
-        </p:txBody>
-      </p:sp>
-      <p:pic>
-        <p:nvPicPr>
-          <p:cNvPr id="5" name="Content Placeholder 4">
-            <a:extLst>
-              <a:ext uri="{FF2B5EF4-FFF2-40B4-BE49-F238E27FC236}">
-                <a16:creationId xmlns:a16="http://schemas.microsoft.com/office/drawing/2014/main" id="{6D6DF6C4-00EA-48D1-8F43-D47D1F71D297}"/>
-              </a:ext>
-            </a:extLst>
-          </p:cNvPr>
-          <p:cNvPicPr>
-            <a:picLocks noGrp="1" noChangeAspect="1"/>
-          </p:cNvPicPr>
-          <p:nvPr>
-            <p:ph idx="1"/>
-          </p:nvPr>
-        </p:nvPicPr>
-        <p:blipFill>
-          <a:blip r:embed="rId2"/>
-          <a:stretch>
-            <a:fillRect/>
-          </a:stretch>
-        </p:blipFill>
-        <p:spPr>
-          <a:xfrm>
-            <a:off x="1195170" y="1825624"/>
-            <a:ext cx="9344487" cy="4575175"/>
-          </a:xfrm>
-        </p:spPr>
-      </p:pic>
-    </p:spTree>
-    <p:extLst>
-      <p:ext uri="{BB962C8B-B14F-4D97-AF65-F5344CB8AC3E}">
-        <p14:creationId xmlns:p14="http://schemas.microsoft.com/office/powerpoint/2010/main" val="3398244875"/>
-      </p:ext>
-    </p:extLst>
-  </p:cSld>
-  <p:clrMapOvr>
-    <a:masterClrMapping/>
-  </p:clrMapOvr>
-</p:sld>
-</file>
-
-<file path=ppt/slides/slide12.xml><?xml version="1.0" encoding="utf-8"?>
-<p:sld xmlns:a="http://schemas.openxmlformats.org/drawingml/2006/main" xmlns:r="http://schemas.openxmlformats.org/officeDocument/2006/relationships" xmlns:p="http://schemas.openxmlformats.org/presentationml/2006/main">
-  <p:cSld>
-    <p:spTree>
-      <p:nvGrpSpPr>
-        <p:cNvPr id="1" name=""/>
-        <p:cNvGrpSpPr/>
-        <p:nvPr/>
-      </p:nvGrpSpPr>
-      <p:grpSpPr>
-        <a:xfrm>
-          <a:off x="0" y="0"/>
-          <a:ext cx="0" cy="0"/>
-          <a:chOff x="0" y="0"/>
-          <a:chExt cx="0" cy="0"/>
-        </a:xfrm>
-      </p:grpSpPr>
-      <p:pic>
-        <p:nvPicPr>
-          <p:cNvPr id="12" name="Picture 11">
-            <a:extLst>
-              <a:ext uri="{FF2B5EF4-FFF2-40B4-BE49-F238E27FC236}">
-                <a16:creationId xmlns:a16="http://schemas.microsoft.com/office/drawing/2014/main" id="{FD562B3A-1098-4E8F-8DA9-68DC09B7972D}"/>
-              </a:ext>
-            </a:extLst>
-          </p:cNvPr>
-          <p:cNvPicPr>
-            <a:picLocks noChangeAspect="1"/>
-          </p:cNvPicPr>
-          <p:nvPr/>
-        </p:nvPicPr>
-        <p:blipFill>
-          <a:blip r:embed="rId2"/>
-          <a:stretch>
-            <a:fillRect/>
-          </a:stretch>
-        </p:blipFill>
-        <p:spPr>
-          <a:xfrm>
-            <a:off x="1283854" y="1475136"/>
-            <a:ext cx="9624291" cy="4825759"/>
-          </a:xfrm>
-          <a:prstGeom prst="rect">
-            <a:avLst/>
-          </a:prstGeom>
-        </p:spPr>
-      </p:pic>
-      <p:sp>
-        <p:nvSpPr>
-          <p:cNvPr id="2" name="Title 1">
-            <a:extLst>
-              <a:ext uri="{FF2B5EF4-FFF2-40B4-BE49-F238E27FC236}">
-                <a16:creationId xmlns:a16="http://schemas.microsoft.com/office/drawing/2014/main" id="{54B9DEF8-09BD-40FB-9FBB-EA68CB03B37E}"/>
-              </a:ext>
-            </a:extLst>
-          </p:cNvPr>
-          <p:cNvSpPr>
-            <a:spLocks noGrp="1"/>
-          </p:cNvSpPr>
-          <p:nvPr>
-            <p:ph type="title"/>
-          </p:nvPr>
-        </p:nvSpPr>
-        <p:spPr/>
-        <p:txBody>
-          <a:bodyPr/>
-          <a:lstStyle/>
-          <a:p>
-            <a:r>
-              <a:rPr lang="en-SG" dirty="0">
-                <a:latin typeface="Arial" panose="020B0604020202020204" pitchFamily="34" charset="0"/>
-                <a:cs typeface="Arial" panose="020B0604020202020204" pitchFamily="34" charset="0"/>
-              </a:rPr>
-              <a:t>Logistic Regression Matrix</a:t>
-            </a:r>
-          </a:p>
-        </p:txBody>
-      </p:sp>
-    </p:spTree>
-    <p:extLst>
-      <p:ext uri="{BB962C8B-B14F-4D97-AF65-F5344CB8AC3E}">
-        <p14:creationId xmlns:p14="http://schemas.microsoft.com/office/powerpoint/2010/main" val="189610355"/>
-      </p:ext>
-    </p:extLst>
-  </p:cSld>
-  <p:clrMapOvr>
-    <a:masterClrMapping/>
-  </p:clrMapOvr>
-</p:sld>
-</file>
-
-<file path=ppt/slides/slide13.xml><?xml version="1.0" encoding="utf-8"?>
-<p:sld xmlns:a="http://schemas.openxmlformats.org/drawingml/2006/main" xmlns:r="http://schemas.openxmlformats.org/officeDocument/2006/relationships" xmlns:p="http://schemas.openxmlformats.org/presentationml/2006/main">
-  <p:cSld>
-    <p:spTree>
-      <p:nvGrpSpPr>
-        <p:cNvPr id="1" name=""/>
-        <p:cNvGrpSpPr/>
-        <p:nvPr/>
-      </p:nvGrpSpPr>
-      <p:grpSpPr>
-        <a:xfrm>
-          <a:off x="0" y="0"/>
-          <a:ext cx="0" cy="0"/>
-          <a:chOff x="0" y="0"/>
-          <a:chExt cx="0" cy="0"/>
-        </a:xfrm>
-      </p:grpSpPr>
-      <p:sp>
-        <p:nvSpPr>
-          <p:cNvPr id="2" name="Title 1">
-            <a:extLst>
-              <a:ext uri="{FF2B5EF4-FFF2-40B4-BE49-F238E27FC236}">
-                <a16:creationId xmlns:a16="http://schemas.microsoft.com/office/drawing/2014/main" id="{54B9DEF8-09BD-40FB-9FBB-EA68CB03B37E}"/>
-              </a:ext>
-            </a:extLst>
-          </p:cNvPr>
-          <p:cNvSpPr>
-            <a:spLocks noGrp="1"/>
-          </p:cNvSpPr>
-          <p:nvPr>
-            <p:ph type="title"/>
-          </p:nvPr>
-        </p:nvSpPr>
-        <p:spPr/>
-        <p:txBody>
-          <a:bodyPr/>
-          <a:lstStyle/>
-          <a:p>
-            <a:r>
-              <a:rPr lang="en-SG" dirty="0">
-                <a:latin typeface="Arial" panose="020B0604020202020204" pitchFamily="34" charset="0"/>
-                <a:cs typeface="Arial" panose="020B0604020202020204" pitchFamily="34" charset="0"/>
-              </a:rPr>
-              <a:t>Support Vector Machine Matrix</a:t>
-            </a:r>
-          </a:p>
-        </p:txBody>
-      </p:sp>
-      <p:pic>
-        <p:nvPicPr>
-          <p:cNvPr id="4" name="Picture 3">
-            <a:extLst>
-              <a:ext uri="{FF2B5EF4-FFF2-40B4-BE49-F238E27FC236}">
-                <a16:creationId xmlns:a16="http://schemas.microsoft.com/office/drawing/2014/main" id="{6C996BAD-D98B-45CD-B671-1DF18C765618}"/>
-              </a:ext>
-            </a:extLst>
-          </p:cNvPr>
-          <p:cNvPicPr>
-            <a:picLocks noChangeAspect="1"/>
-          </p:cNvPicPr>
-          <p:nvPr/>
-        </p:nvPicPr>
-        <p:blipFill>
-          <a:blip r:embed="rId2"/>
-          <a:stretch>
-            <a:fillRect/>
-          </a:stretch>
-        </p:blipFill>
-        <p:spPr>
-          <a:xfrm>
-            <a:off x="1224950" y="1776439"/>
-            <a:ext cx="9463177" cy="4644385"/>
-          </a:xfrm>
-          <a:prstGeom prst="rect">
-            <a:avLst/>
-          </a:prstGeom>
-        </p:spPr>
-      </p:pic>
-    </p:spTree>
-    <p:extLst>
-      <p:ext uri="{BB962C8B-B14F-4D97-AF65-F5344CB8AC3E}">
-        <p14:creationId xmlns:p14="http://schemas.microsoft.com/office/powerpoint/2010/main" val="430300171"/>
-      </p:ext>
-    </p:extLst>
-  </p:cSld>
-  <p:clrMapOvr>
-    <a:masterClrMapping/>
-  </p:clrMapOvr>
-</p:sld>
-</file>
-
-<file path=ppt/slides/slide14.xml><?xml version="1.0" encoding="utf-8"?>
-<p:sld xmlns:a="http://schemas.openxmlformats.org/drawingml/2006/main" xmlns:r="http://schemas.openxmlformats.org/officeDocument/2006/relationships" xmlns:p="http://schemas.openxmlformats.org/presentationml/2006/main">
-  <p:cSld>
-    <p:spTree>
-      <p:nvGrpSpPr>
-        <p:cNvPr id="1" name=""/>
-        <p:cNvGrpSpPr/>
-        <p:nvPr/>
-      </p:nvGrpSpPr>
-      <p:grpSpPr>
-        <a:xfrm>
-          <a:off x="0" y="0"/>
-          <a:ext cx="0" cy="0"/>
-          <a:chOff x="0" y="0"/>
-          <a:chExt cx="0" cy="0"/>
-        </a:xfrm>
-      </p:grpSpPr>
-      <p:sp>
-        <p:nvSpPr>
           <p:cNvPr id="3" name="Content Placeholder 2">
             <a:extLst>
               <a:ext uri="{FF2B5EF4-FFF2-40B4-BE49-F238E27FC236}">
@@ -10942,7 +10724,7 @@
 </p:sld>
 </file>
 
-<file path=ppt/slides/slide15.xml><?xml version="1.0" encoding="utf-8"?>
+<file path=ppt/slides/slide12.xml><?xml version="1.0" encoding="utf-8"?>
 <p:sld xmlns:a="http://schemas.openxmlformats.org/drawingml/2006/main" xmlns:r="http://schemas.openxmlformats.org/officeDocument/2006/relationships" xmlns:p="http://schemas.openxmlformats.org/presentationml/2006/main">
   <p:cSld>
     <p:spTree>
@@ -12257,7 +12039,7 @@
 </p:sld>
 </file>
 
-<file path=ppt/slides/slide16.xml><?xml version="1.0" encoding="utf-8"?>
+<file path=ppt/slides/slide13.xml><?xml version="1.0" encoding="utf-8"?>
 <p:sld xmlns:a="http://schemas.openxmlformats.org/drawingml/2006/main" xmlns:r="http://schemas.openxmlformats.org/officeDocument/2006/relationships" xmlns:p="http://schemas.openxmlformats.org/presentationml/2006/main">
   <p:cSld>
     <p:spTree>
@@ -12375,7 +12157,7 @@
 </p:sld>
 </file>
 
-<file path=ppt/slides/slide17.xml><?xml version="1.0" encoding="utf-8"?>
+<file path=ppt/slides/slide14.xml><?xml version="1.0" encoding="utf-8"?>
 <p:sld xmlns:a="http://schemas.openxmlformats.org/drawingml/2006/main" xmlns:r="http://schemas.openxmlformats.org/officeDocument/2006/relationships" xmlns:p="http://schemas.openxmlformats.org/presentationml/2006/main">
   <p:cSld>
     <p:spTree>
@@ -12452,6 +12234,345 @@
     <p:extLst>
       <p:ext uri="{BB962C8B-B14F-4D97-AF65-F5344CB8AC3E}">
         <p14:creationId xmlns:p14="http://schemas.microsoft.com/office/powerpoint/2010/main" val="3701305428"/>
+      </p:ext>
+    </p:extLst>
+  </p:cSld>
+  <p:clrMapOvr>
+    <a:masterClrMapping/>
+  </p:clrMapOvr>
+</p:sld>
+</file>
+
+<file path=ppt/slides/slide15.xml><?xml version="1.0" encoding="utf-8"?>
+<p:sld xmlns:a="http://schemas.openxmlformats.org/drawingml/2006/main" xmlns:r="http://schemas.openxmlformats.org/officeDocument/2006/relationships" xmlns:p="http://schemas.openxmlformats.org/presentationml/2006/main">
+  <p:cSld>
+    <p:spTree>
+      <p:nvGrpSpPr>
+        <p:cNvPr id="1" name=""/>
+        <p:cNvGrpSpPr/>
+        <p:nvPr/>
+      </p:nvGrpSpPr>
+      <p:grpSpPr>
+        <a:xfrm>
+          <a:off x="0" y="0"/>
+          <a:ext cx="0" cy="0"/>
+          <a:chOff x="0" y="0"/>
+          <a:chExt cx="0" cy="0"/>
+        </a:xfrm>
+      </p:grpSpPr>
+      <p:sp>
+        <p:nvSpPr>
+          <p:cNvPr id="2" name="Title 1">
+            <a:extLst>
+              <a:ext uri="{FF2B5EF4-FFF2-40B4-BE49-F238E27FC236}">
+                <a16:creationId xmlns:a16="http://schemas.microsoft.com/office/drawing/2014/main" id="{40B9701F-DDED-4A92-B314-30E9C3CB28C2}"/>
+              </a:ext>
+            </a:extLst>
+          </p:cNvPr>
+          <p:cNvSpPr>
+            <a:spLocks noGrp="1"/>
+          </p:cNvSpPr>
+          <p:nvPr>
+            <p:ph type="title"/>
+          </p:nvPr>
+        </p:nvSpPr>
+        <p:spPr>
+          <a:xfrm>
+            <a:off x="838200" y="2677005"/>
+            <a:ext cx="10515600" cy="1325563"/>
+          </a:xfrm>
+        </p:spPr>
+        <p:txBody>
+          <a:bodyPr/>
+          <a:lstStyle/>
+          <a:p>
+            <a:pPr algn="ctr"/>
+            <a:r>
+              <a:rPr lang="en-SG" dirty="0">
+                <a:latin typeface="Arial" panose="020B0604020202020204" pitchFamily="34" charset="0"/>
+                <a:cs typeface="Arial" panose="020B0604020202020204" pitchFamily="34" charset="0"/>
+              </a:rPr>
+              <a:t>Appendix</a:t>
+            </a:r>
+          </a:p>
+        </p:txBody>
+      </p:sp>
+    </p:spTree>
+    <p:extLst>
+      <p:ext uri="{BB962C8B-B14F-4D97-AF65-F5344CB8AC3E}">
+        <p14:creationId xmlns:p14="http://schemas.microsoft.com/office/powerpoint/2010/main" val="901551132"/>
+      </p:ext>
+    </p:extLst>
+  </p:cSld>
+  <p:clrMapOvr>
+    <a:masterClrMapping/>
+  </p:clrMapOvr>
+</p:sld>
+</file>
+
+<file path=ppt/slides/slide16.xml><?xml version="1.0" encoding="utf-8"?>
+<p:sld xmlns:a="http://schemas.openxmlformats.org/drawingml/2006/main" xmlns:r="http://schemas.openxmlformats.org/officeDocument/2006/relationships" xmlns:p="http://schemas.openxmlformats.org/presentationml/2006/main">
+  <p:cSld>
+    <p:spTree>
+      <p:nvGrpSpPr>
+        <p:cNvPr id="1" name=""/>
+        <p:cNvGrpSpPr/>
+        <p:nvPr/>
+      </p:nvGrpSpPr>
+      <p:grpSpPr>
+        <a:xfrm>
+          <a:off x="0" y="0"/>
+          <a:ext cx="0" cy="0"/>
+          <a:chOff x="0" y="0"/>
+          <a:chExt cx="0" cy="0"/>
+        </a:xfrm>
+      </p:grpSpPr>
+      <p:sp>
+        <p:nvSpPr>
+          <p:cNvPr id="2" name="Title 1">
+            <a:extLst>
+              <a:ext uri="{FF2B5EF4-FFF2-40B4-BE49-F238E27FC236}">
+                <a16:creationId xmlns:a16="http://schemas.microsoft.com/office/drawing/2014/main" id="{54B9DEF8-09BD-40FB-9FBB-EA68CB03B37E}"/>
+              </a:ext>
+            </a:extLst>
+          </p:cNvPr>
+          <p:cNvSpPr>
+            <a:spLocks noGrp="1"/>
+          </p:cNvSpPr>
+          <p:nvPr>
+            <p:ph type="title"/>
+          </p:nvPr>
+        </p:nvSpPr>
+        <p:spPr/>
+        <p:txBody>
+          <a:bodyPr/>
+          <a:lstStyle/>
+          <a:p>
+            <a:r>
+              <a:rPr lang="en-SG" dirty="0">
+                <a:latin typeface="Arial" panose="020B0604020202020204" pitchFamily="34" charset="0"/>
+                <a:cs typeface="Arial" panose="020B0604020202020204" pitchFamily="34" charset="0"/>
+              </a:rPr>
+              <a:t>Random Forest Matrix</a:t>
+            </a:r>
+          </a:p>
+        </p:txBody>
+      </p:sp>
+      <p:pic>
+        <p:nvPicPr>
+          <p:cNvPr id="5" name="Content Placeholder 4">
+            <a:extLst>
+              <a:ext uri="{FF2B5EF4-FFF2-40B4-BE49-F238E27FC236}">
+                <a16:creationId xmlns:a16="http://schemas.microsoft.com/office/drawing/2014/main" id="{6D6DF6C4-00EA-48D1-8F43-D47D1F71D297}"/>
+              </a:ext>
+            </a:extLst>
+          </p:cNvPr>
+          <p:cNvPicPr>
+            <a:picLocks noGrp="1" noChangeAspect="1"/>
+          </p:cNvPicPr>
+          <p:nvPr>
+            <p:ph idx="1"/>
+          </p:nvPr>
+        </p:nvPicPr>
+        <p:blipFill>
+          <a:blip r:embed="rId2"/>
+          <a:stretch>
+            <a:fillRect/>
+          </a:stretch>
+        </p:blipFill>
+        <p:spPr>
+          <a:xfrm>
+            <a:off x="1195170" y="1825624"/>
+            <a:ext cx="9344487" cy="4575175"/>
+          </a:xfrm>
+        </p:spPr>
+      </p:pic>
+    </p:spTree>
+    <p:extLst>
+      <p:ext uri="{BB962C8B-B14F-4D97-AF65-F5344CB8AC3E}">
+        <p14:creationId xmlns:p14="http://schemas.microsoft.com/office/powerpoint/2010/main" val="3398244875"/>
+      </p:ext>
+    </p:extLst>
+  </p:cSld>
+  <p:clrMapOvr>
+    <a:masterClrMapping/>
+  </p:clrMapOvr>
+</p:sld>
+</file>
+
+<file path=ppt/slides/slide17.xml><?xml version="1.0" encoding="utf-8"?>
+<p:sld xmlns:a="http://schemas.openxmlformats.org/drawingml/2006/main" xmlns:r="http://schemas.openxmlformats.org/officeDocument/2006/relationships" xmlns:p="http://schemas.openxmlformats.org/presentationml/2006/main">
+  <p:cSld>
+    <p:spTree>
+      <p:nvGrpSpPr>
+        <p:cNvPr id="1" name=""/>
+        <p:cNvGrpSpPr/>
+        <p:nvPr/>
+      </p:nvGrpSpPr>
+      <p:grpSpPr>
+        <a:xfrm>
+          <a:off x="0" y="0"/>
+          <a:ext cx="0" cy="0"/>
+          <a:chOff x="0" y="0"/>
+          <a:chExt cx="0" cy="0"/>
+        </a:xfrm>
+      </p:grpSpPr>
+      <p:pic>
+        <p:nvPicPr>
+          <p:cNvPr id="12" name="Picture 11">
+            <a:extLst>
+              <a:ext uri="{FF2B5EF4-FFF2-40B4-BE49-F238E27FC236}">
+                <a16:creationId xmlns:a16="http://schemas.microsoft.com/office/drawing/2014/main" id="{FD562B3A-1098-4E8F-8DA9-68DC09B7972D}"/>
+              </a:ext>
+            </a:extLst>
+          </p:cNvPr>
+          <p:cNvPicPr>
+            <a:picLocks noChangeAspect="1"/>
+          </p:cNvPicPr>
+          <p:nvPr/>
+        </p:nvPicPr>
+        <p:blipFill>
+          <a:blip r:embed="rId2"/>
+          <a:stretch>
+            <a:fillRect/>
+          </a:stretch>
+        </p:blipFill>
+        <p:spPr>
+          <a:xfrm>
+            <a:off x="1283854" y="1475136"/>
+            <a:ext cx="9624291" cy="4825759"/>
+          </a:xfrm>
+          <a:prstGeom prst="rect">
+            <a:avLst/>
+          </a:prstGeom>
+        </p:spPr>
+      </p:pic>
+      <p:sp>
+        <p:nvSpPr>
+          <p:cNvPr id="2" name="Title 1">
+            <a:extLst>
+              <a:ext uri="{FF2B5EF4-FFF2-40B4-BE49-F238E27FC236}">
+                <a16:creationId xmlns:a16="http://schemas.microsoft.com/office/drawing/2014/main" id="{54B9DEF8-09BD-40FB-9FBB-EA68CB03B37E}"/>
+              </a:ext>
+            </a:extLst>
+          </p:cNvPr>
+          <p:cNvSpPr>
+            <a:spLocks noGrp="1"/>
+          </p:cNvSpPr>
+          <p:nvPr>
+            <p:ph type="title"/>
+          </p:nvPr>
+        </p:nvSpPr>
+        <p:spPr/>
+        <p:txBody>
+          <a:bodyPr/>
+          <a:lstStyle/>
+          <a:p>
+            <a:r>
+              <a:rPr lang="en-SG" dirty="0">
+                <a:latin typeface="Arial" panose="020B0604020202020204" pitchFamily="34" charset="0"/>
+                <a:cs typeface="Arial" panose="020B0604020202020204" pitchFamily="34" charset="0"/>
+              </a:rPr>
+              <a:t>Logistic Regression Matrix</a:t>
+            </a:r>
+          </a:p>
+        </p:txBody>
+      </p:sp>
+    </p:spTree>
+    <p:extLst>
+      <p:ext uri="{BB962C8B-B14F-4D97-AF65-F5344CB8AC3E}">
+        <p14:creationId xmlns:p14="http://schemas.microsoft.com/office/powerpoint/2010/main" val="189610355"/>
+      </p:ext>
+    </p:extLst>
+  </p:cSld>
+  <p:clrMapOvr>
+    <a:masterClrMapping/>
+  </p:clrMapOvr>
+</p:sld>
+</file>
+
+<file path=ppt/slides/slide18.xml><?xml version="1.0" encoding="utf-8"?>
+<p:sld xmlns:a="http://schemas.openxmlformats.org/drawingml/2006/main" xmlns:r="http://schemas.openxmlformats.org/officeDocument/2006/relationships" xmlns:p="http://schemas.openxmlformats.org/presentationml/2006/main">
+  <p:cSld>
+    <p:spTree>
+      <p:nvGrpSpPr>
+        <p:cNvPr id="1" name=""/>
+        <p:cNvGrpSpPr/>
+        <p:nvPr/>
+      </p:nvGrpSpPr>
+      <p:grpSpPr>
+        <a:xfrm>
+          <a:off x="0" y="0"/>
+          <a:ext cx="0" cy="0"/>
+          <a:chOff x="0" y="0"/>
+          <a:chExt cx="0" cy="0"/>
+        </a:xfrm>
+      </p:grpSpPr>
+      <p:sp>
+        <p:nvSpPr>
+          <p:cNvPr id="2" name="Title 1">
+            <a:extLst>
+              <a:ext uri="{FF2B5EF4-FFF2-40B4-BE49-F238E27FC236}">
+                <a16:creationId xmlns:a16="http://schemas.microsoft.com/office/drawing/2014/main" id="{54B9DEF8-09BD-40FB-9FBB-EA68CB03B37E}"/>
+              </a:ext>
+            </a:extLst>
+          </p:cNvPr>
+          <p:cNvSpPr>
+            <a:spLocks noGrp="1"/>
+          </p:cNvSpPr>
+          <p:nvPr>
+            <p:ph type="title"/>
+          </p:nvPr>
+        </p:nvSpPr>
+        <p:spPr/>
+        <p:txBody>
+          <a:bodyPr/>
+          <a:lstStyle/>
+          <a:p>
+            <a:r>
+              <a:rPr lang="en-SG" dirty="0">
+                <a:latin typeface="Arial" panose="020B0604020202020204" pitchFamily="34" charset="0"/>
+                <a:cs typeface="Arial" panose="020B0604020202020204" pitchFamily="34" charset="0"/>
+              </a:rPr>
+              <a:t>Support Vector Machine Matrix</a:t>
+            </a:r>
+          </a:p>
+        </p:txBody>
+      </p:sp>
+      <p:pic>
+        <p:nvPicPr>
+          <p:cNvPr id="4" name="Picture 3">
+            <a:extLst>
+              <a:ext uri="{FF2B5EF4-FFF2-40B4-BE49-F238E27FC236}">
+                <a16:creationId xmlns:a16="http://schemas.microsoft.com/office/drawing/2014/main" id="{6C996BAD-D98B-45CD-B671-1DF18C765618}"/>
+              </a:ext>
+            </a:extLst>
+          </p:cNvPr>
+          <p:cNvPicPr>
+            <a:picLocks noChangeAspect="1"/>
+          </p:cNvPicPr>
+          <p:nvPr/>
+        </p:nvPicPr>
+        <p:blipFill>
+          <a:blip r:embed="rId2"/>
+          <a:stretch>
+            <a:fillRect/>
+          </a:stretch>
+        </p:blipFill>
+        <p:spPr>
+          <a:xfrm>
+            <a:off x="1224950" y="1776439"/>
+            <a:ext cx="9463177" cy="4644385"/>
+          </a:xfrm>
+          <a:prstGeom prst="rect">
+            <a:avLst/>
+          </a:prstGeom>
+        </p:spPr>
+      </p:pic>
+    </p:spTree>
+    <p:extLst>
+      <p:ext uri="{BB962C8B-B14F-4D97-AF65-F5344CB8AC3E}">
+        <p14:creationId xmlns:p14="http://schemas.microsoft.com/office/powerpoint/2010/main" val="430300171"/>
       </p:ext>
     </p:extLst>
   </p:cSld>
